--- a/template/app-mockup.pptx
+++ b/template/app-mockup.pptx
@@ -3225,6 +3225,42 @@
           </a:p>
         </p:txBody>
       </p:sp>
+      <p:pic>
+        <p:nvPicPr>
+          <p:cNvPr id="8" name="Image 7" descr="Une image contenant miroir, dessin&#10;&#10;Description générée automatiquement">
+            <a:extLst>
+              <a:ext uri="{FF2B5EF4-FFF2-40B4-BE49-F238E27FC236}">
+                <a16:creationId xmlns:a16="http://schemas.microsoft.com/office/drawing/2014/main" id="{5DB459AC-1ADD-4C3A-8101-D2D62614A569}"/>
+              </a:ext>
+            </a:extLst>
+          </p:cNvPr>
+          <p:cNvPicPr>
+            <a:picLocks noChangeAspect="1"/>
+          </p:cNvPicPr>
+          <p:nvPr/>
+        </p:nvPicPr>
+        <p:blipFill>
+          <a:blip r:embed="rId2">
+            <a:extLst>
+              <a:ext uri="{28A0092B-C50C-407E-A947-70E740481C1C}">
+                <a14:useLocalDpi xmlns:a14="http://schemas.microsoft.com/office/drawing/2010/main" val="0"/>
+              </a:ext>
+            </a:extLst>
+          </a:blip>
+          <a:stretch>
+            <a:fillRect/>
+          </a:stretch>
+        </p:blipFill>
+        <p:spPr>
+          <a:xfrm>
+            <a:off x="-4279900" y="-762000"/>
+            <a:ext cx="15417800" cy="13614400"/>
+          </a:xfrm>
+          <a:prstGeom prst="rect">
+            <a:avLst/>
+          </a:prstGeom>
+        </p:spPr>
+      </p:pic>
     </p:spTree>
     <p:extLst>
       <p:ext uri="{BB962C8B-B14F-4D97-AF65-F5344CB8AC3E}">
@@ -3989,6 +4025,42 @@
           </a:p>
         </p:txBody>
       </p:sp>
+      <p:pic>
+        <p:nvPicPr>
+          <p:cNvPr id="29" name="Image 28" descr="Une image contenant miroir, dessin&#10;&#10;Description générée automatiquement">
+            <a:extLst>
+              <a:ext uri="{FF2B5EF4-FFF2-40B4-BE49-F238E27FC236}">
+                <a16:creationId xmlns:a16="http://schemas.microsoft.com/office/drawing/2014/main" id="{7EEBAB3B-0F3F-4205-A311-73ABDAFE1BCF}"/>
+              </a:ext>
+            </a:extLst>
+          </p:cNvPr>
+          <p:cNvPicPr>
+            <a:picLocks noChangeAspect="1"/>
+          </p:cNvPicPr>
+          <p:nvPr/>
+        </p:nvPicPr>
+        <p:blipFill>
+          <a:blip r:embed="rId2">
+            <a:extLst>
+              <a:ext uri="{28A0092B-C50C-407E-A947-70E740481C1C}">
+                <a14:useLocalDpi xmlns:a14="http://schemas.microsoft.com/office/drawing/2010/main" val="0"/>
+              </a:ext>
+            </a:extLst>
+          </a:blip>
+          <a:stretch>
+            <a:fillRect/>
+          </a:stretch>
+        </p:blipFill>
+        <p:spPr>
+          <a:xfrm>
+            <a:off x="-4279900" y="-762000"/>
+            <a:ext cx="15417800" cy="13614400"/>
+          </a:xfrm>
+          <a:prstGeom prst="rect">
+            <a:avLst/>
+          </a:prstGeom>
+        </p:spPr>
+      </p:pic>
     </p:spTree>
     <p:extLst>
       <p:ext uri="{BB962C8B-B14F-4D97-AF65-F5344CB8AC3E}">
@@ -5237,6 +5309,42 @@
           <a:xfrm>
             <a:off x="3667611" y="11430599"/>
             <a:ext cx="540000" cy="540000"/>
+          </a:xfrm>
+          <a:prstGeom prst="rect">
+            <a:avLst/>
+          </a:prstGeom>
+        </p:spPr>
+      </p:pic>
+      <p:pic>
+        <p:nvPicPr>
+          <p:cNvPr id="32" name="Image 31" descr="Une image contenant miroir, dessin&#10;&#10;Description générée automatiquement">
+            <a:extLst>
+              <a:ext uri="{FF2B5EF4-FFF2-40B4-BE49-F238E27FC236}">
+                <a16:creationId xmlns:a16="http://schemas.microsoft.com/office/drawing/2014/main" id="{8928983B-B280-4CCE-8666-6B0AD9649B24}"/>
+              </a:ext>
+            </a:extLst>
+          </p:cNvPr>
+          <p:cNvPicPr>
+            <a:picLocks noChangeAspect="1"/>
+          </p:cNvPicPr>
+          <p:nvPr/>
+        </p:nvPicPr>
+        <p:blipFill>
+          <a:blip r:embed="rId22">
+            <a:extLst>
+              <a:ext uri="{28A0092B-C50C-407E-A947-70E740481C1C}">
+                <a14:useLocalDpi xmlns:a14="http://schemas.microsoft.com/office/drawing/2010/main" val="0"/>
+              </a:ext>
+            </a:extLst>
+          </a:blip>
+          <a:stretch>
+            <a:fillRect/>
+          </a:stretch>
+        </p:blipFill>
+        <p:spPr>
+          <a:xfrm>
+            <a:off x="-4279900" y="-762000"/>
+            <a:ext cx="15417800" cy="13614400"/>
           </a:xfrm>
           <a:prstGeom prst="rect">
             <a:avLst/>
@@ -6020,6 +6128,42 @@
           </a:prstGeom>
         </p:spPr>
       </p:pic>
+      <p:pic>
+        <p:nvPicPr>
+          <p:cNvPr id="23" name="Image 22" descr="Une image contenant miroir, dessin&#10;&#10;Description générée automatiquement">
+            <a:extLst>
+              <a:ext uri="{FF2B5EF4-FFF2-40B4-BE49-F238E27FC236}">
+                <a16:creationId xmlns:a16="http://schemas.microsoft.com/office/drawing/2014/main" id="{86FB3A0C-6AFB-4A7A-9305-C5A051269118}"/>
+              </a:ext>
+            </a:extLst>
+          </p:cNvPr>
+          <p:cNvPicPr>
+            <a:picLocks noChangeAspect="1"/>
+          </p:cNvPicPr>
+          <p:nvPr/>
+        </p:nvPicPr>
+        <p:blipFill>
+          <a:blip r:embed="rId18">
+            <a:extLst>
+              <a:ext uri="{28A0092B-C50C-407E-A947-70E740481C1C}">
+                <a14:useLocalDpi xmlns:a14="http://schemas.microsoft.com/office/drawing/2010/main" val="0"/>
+              </a:ext>
+            </a:extLst>
+          </a:blip>
+          <a:stretch>
+            <a:fillRect/>
+          </a:stretch>
+        </p:blipFill>
+        <p:spPr>
+          <a:xfrm>
+            <a:off x="-4279900" y="-762000"/>
+            <a:ext cx="15417800" cy="13614400"/>
+          </a:xfrm>
+          <a:prstGeom prst="rect">
+            <a:avLst/>
+          </a:prstGeom>
+        </p:spPr>
+      </p:pic>
     </p:spTree>
     <p:extLst>
       <p:ext uri="{BB962C8B-B14F-4D97-AF65-F5344CB8AC3E}">
@@ -7598,6 +7742,42 @@
           <a:xfrm>
             <a:off x="3667611" y="11430599"/>
             <a:ext cx="540000" cy="540000"/>
+          </a:xfrm>
+          <a:prstGeom prst="rect">
+            <a:avLst/>
+          </a:prstGeom>
+        </p:spPr>
+      </p:pic>
+      <p:pic>
+        <p:nvPicPr>
+          <p:cNvPr id="43" name="Image 42" descr="Une image contenant miroir, dessin&#10;&#10;Description générée automatiquement">
+            <a:extLst>
+              <a:ext uri="{FF2B5EF4-FFF2-40B4-BE49-F238E27FC236}">
+                <a16:creationId xmlns:a16="http://schemas.microsoft.com/office/drawing/2014/main" id="{341BCFFC-296E-4963-B0B0-A8FF1E0B24BD}"/>
+              </a:ext>
+            </a:extLst>
+          </p:cNvPr>
+          <p:cNvPicPr>
+            <a:picLocks noChangeAspect="1"/>
+          </p:cNvPicPr>
+          <p:nvPr/>
+        </p:nvPicPr>
+        <p:blipFill>
+          <a:blip r:embed="rId10">
+            <a:extLst>
+              <a:ext uri="{28A0092B-C50C-407E-A947-70E740481C1C}">
+                <a14:useLocalDpi xmlns:a14="http://schemas.microsoft.com/office/drawing/2010/main" val="0"/>
+              </a:ext>
+            </a:extLst>
+          </a:blip>
+          <a:stretch>
+            <a:fillRect/>
+          </a:stretch>
+        </p:blipFill>
+        <p:spPr>
+          <a:xfrm>
+            <a:off x="-4279900" y="-762000"/>
+            <a:ext cx="15417800" cy="13614400"/>
           </a:xfrm>
           <a:prstGeom prst="rect">
             <a:avLst/>
@@ -8845,6 +9025,42 @@
           </a:p>
         </p:txBody>
       </p:sp>
+      <p:pic>
+        <p:nvPicPr>
+          <p:cNvPr id="30" name="Image 29" descr="Une image contenant miroir, dessin&#10;&#10;Description générée automatiquement">
+            <a:extLst>
+              <a:ext uri="{FF2B5EF4-FFF2-40B4-BE49-F238E27FC236}">
+                <a16:creationId xmlns:a16="http://schemas.microsoft.com/office/drawing/2014/main" id="{5B58AAF9-0A0E-4CD2-9F9E-12347BA322A4}"/>
+              </a:ext>
+            </a:extLst>
+          </p:cNvPr>
+          <p:cNvPicPr>
+            <a:picLocks noChangeAspect="1"/>
+          </p:cNvPicPr>
+          <p:nvPr/>
+        </p:nvPicPr>
+        <p:blipFill>
+          <a:blip r:embed="rId28">
+            <a:extLst>
+              <a:ext uri="{28A0092B-C50C-407E-A947-70E740481C1C}">
+                <a14:useLocalDpi xmlns:a14="http://schemas.microsoft.com/office/drawing/2010/main" val="0"/>
+              </a:ext>
+            </a:extLst>
+          </a:blip>
+          <a:stretch>
+            <a:fillRect/>
+          </a:stretch>
+        </p:blipFill>
+        <p:spPr>
+          <a:xfrm>
+            <a:off x="-4279900" y="-762000"/>
+            <a:ext cx="15417800" cy="13614400"/>
+          </a:xfrm>
+          <a:prstGeom prst="rect">
+            <a:avLst/>
+          </a:prstGeom>
+        </p:spPr>
+      </p:pic>
     </p:spTree>
     <p:extLst>
       <p:ext uri="{BB962C8B-B14F-4D97-AF65-F5344CB8AC3E}">
@@ -9797,6 +10013,42 @@
           <a:xfrm>
             <a:off x="3258194" y="6498028"/>
             <a:ext cx="540000" cy="540000"/>
+          </a:xfrm>
+          <a:prstGeom prst="rect">
+            <a:avLst/>
+          </a:prstGeom>
+        </p:spPr>
+      </p:pic>
+      <p:pic>
+        <p:nvPicPr>
+          <p:cNvPr id="25" name="Image 24" descr="Une image contenant miroir, dessin&#10;&#10;Description générée automatiquement">
+            <a:extLst>
+              <a:ext uri="{FF2B5EF4-FFF2-40B4-BE49-F238E27FC236}">
+                <a16:creationId xmlns:a16="http://schemas.microsoft.com/office/drawing/2014/main" id="{BE51567A-1D3D-4383-925D-C2C6300247FD}"/>
+              </a:ext>
+            </a:extLst>
+          </p:cNvPr>
+          <p:cNvPicPr>
+            <a:picLocks noChangeAspect="1"/>
+          </p:cNvPicPr>
+          <p:nvPr/>
+        </p:nvPicPr>
+        <p:blipFill>
+          <a:blip r:embed="rId16">
+            <a:extLst>
+              <a:ext uri="{28A0092B-C50C-407E-A947-70E740481C1C}">
+                <a14:useLocalDpi xmlns:a14="http://schemas.microsoft.com/office/drawing/2010/main" val="0"/>
+              </a:ext>
+            </a:extLst>
+          </a:blip>
+          <a:stretch>
+            <a:fillRect/>
+          </a:stretch>
+        </p:blipFill>
+        <p:spPr>
+          <a:xfrm>
+            <a:off x="-4279900" y="-762000"/>
+            <a:ext cx="15417800" cy="13614400"/>
           </a:xfrm>
           <a:prstGeom prst="rect">
             <a:avLst/>
@@ -10536,6 +10788,42 @@
           <a:xfrm>
             <a:off x="3667611" y="11430599"/>
             <a:ext cx="540000" cy="540000"/>
+          </a:xfrm>
+          <a:prstGeom prst="rect">
+            <a:avLst/>
+          </a:prstGeom>
+        </p:spPr>
+      </p:pic>
+      <p:pic>
+        <p:nvPicPr>
+          <p:cNvPr id="12" name="Image 11" descr="Une image contenant miroir, dessin&#10;&#10;Description générée automatiquement">
+            <a:extLst>
+              <a:ext uri="{FF2B5EF4-FFF2-40B4-BE49-F238E27FC236}">
+                <a16:creationId xmlns:a16="http://schemas.microsoft.com/office/drawing/2014/main" id="{47D41F56-5715-42A7-8036-B8B28C8111D9}"/>
+              </a:ext>
+            </a:extLst>
+          </p:cNvPr>
+          <p:cNvPicPr>
+            <a:picLocks noChangeAspect="1"/>
+          </p:cNvPicPr>
+          <p:nvPr/>
+        </p:nvPicPr>
+        <p:blipFill>
+          <a:blip r:embed="rId16">
+            <a:extLst>
+              <a:ext uri="{28A0092B-C50C-407E-A947-70E740481C1C}">
+                <a14:useLocalDpi xmlns:a14="http://schemas.microsoft.com/office/drawing/2010/main" val="0"/>
+              </a:ext>
+            </a:extLst>
+          </a:blip>
+          <a:stretch>
+            <a:fillRect/>
+          </a:stretch>
+        </p:blipFill>
+        <p:spPr>
+          <a:xfrm>
+            <a:off x="-4279900" y="-762000"/>
+            <a:ext cx="15417800" cy="13614400"/>
           </a:xfrm>
           <a:prstGeom prst="rect">
             <a:avLst/>

--- a/template/app-mockup.pptx
+++ b/template/app-mockup.pptx
@@ -7279,7 +7279,7 @@
           <a:p>
             <a:r>
               <a:rPr lang="fr-FR" sz="1400" dirty="0"/>
-              <a:t>OCCURRENCE (EN JOUR)</a:t>
+              <a:t>RÉCURRENCE (EN JOUR)</a:t>
             </a:r>
           </a:p>
         </p:txBody>
@@ -7750,10 +7750,10 @@
       </p:pic>
       <p:pic>
         <p:nvPicPr>
-          <p:cNvPr id="43" name="Image 42" descr="Une image contenant miroir, dessin&#10;&#10;Description générée automatiquement">
-            <a:extLst>
-              <a:ext uri="{FF2B5EF4-FFF2-40B4-BE49-F238E27FC236}">
-                <a16:creationId xmlns:a16="http://schemas.microsoft.com/office/drawing/2014/main" id="{341BCFFC-296E-4963-B0B0-A8FF1E0B24BD}"/>
+          <p:cNvPr id="57" name="Image 56" descr="Une image contenant miroir, dessin&#10;&#10;Description générée automatiquement">
+            <a:extLst>
+              <a:ext uri="{FF2B5EF4-FFF2-40B4-BE49-F238E27FC236}">
+                <a16:creationId xmlns:a16="http://schemas.microsoft.com/office/drawing/2014/main" id="{058D039B-9AF1-4AFB-A076-7760BABC9362}"/>
               </a:ext>
             </a:extLst>
           </p:cNvPr>

--- a/template/app-mockup.pptx
+++ b/template/app-mockup.pptx
@@ -250,7 +250,7 @@
           <a:p>
             <a:fld id="{E0657936-EBC8-4278-87E1-10921C4972C2}" type="datetimeFigureOut">
               <a:rPr lang="fr-FR" smtClean="0"/>
-              <a:t>10/12/2019</a:t>
+              <a:t>11/01/2020</a:t>
             </a:fld>
             <a:endParaRPr lang="fr-FR"/>
           </a:p>
@@ -420,7 +420,7 @@
           <a:p>
             <a:fld id="{E0657936-EBC8-4278-87E1-10921C4972C2}" type="datetimeFigureOut">
               <a:rPr lang="fr-FR" smtClean="0"/>
-              <a:t>10/12/2019</a:t>
+              <a:t>11/01/2020</a:t>
             </a:fld>
             <a:endParaRPr lang="fr-FR"/>
           </a:p>
@@ -600,7 +600,7 @@
           <a:p>
             <a:fld id="{E0657936-EBC8-4278-87E1-10921C4972C2}" type="datetimeFigureOut">
               <a:rPr lang="fr-FR" smtClean="0"/>
-              <a:t>10/12/2019</a:t>
+              <a:t>11/01/2020</a:t>
             </a:fld>
             <a:endParaRPr lang="fr-FR"/>
           </a:p>
@@ -770,7 +770,7 @@
           <a:p>
             <a:fld id="{E0657936-EBC8-4278-87E1-10921C4972C2}" type="datetimeFigureOut">
               <a:rPr lang="fr-FR" smtClean="0"/>
-              <a:t>10/12/2019</a:t>
+              <a:t>11/01/2020</a:t>
             </a:fld>
             <a:endParaRPr lang="fr-FR"/>
           </a:p>
@@ -1014,7 +1014,7 @@
           <a:p>
             <a:fld id="{E0657936-EBC8-4278-87E1-10921C4972C2}" type="datetimeFigureOut">
               <a:rPr lang="fr-FR" smtClean="0"/>
-              <a:t>10/12/2019</a:t>
+              <a:t>11/01/2020</a:t>
             </a:fld>
             <a:endParaRPr lang="fr-FR"/>
           </a:p>
@@ -1246,7 +1246,7 @@
           <a:p>
             <a:fld id="{E0657936-EBC8-4278-87E1-10921C4972C2}" type="datetimeFigureOut">
               <a:rPr lang="fr-FR" smtClean="0"/>
-              <a:t>10/12/2019</a:t>
+              <a:t>11/01/2020</a:t>
             </a:fld>
             <a:endParaRPr lang="fr-FR"/>
           </a:p>
@@ -1613,7 +1613,7 @@
           <a:p>
             <a:fld id="{E0657936-EBC8-4278-87E1-10921C4972C2}" type="datetimeFigureOut">
               <a:rPr lang="fr-FR" smtClean="0"/>
-              <a:t>10/12/2019</a:t>
+              <a:t>11/01/2020</a:t>
             </a:fld>
             <a:endParaRPr lang="fr-FR"/>
           </a:p>
@@ -1731,7 +1731,7 @@
           <a:p>
             <a:fld id="{E0657936-EBC8-4278-87E1-10921C4972C2}" type="datetimeFigureOut">
               <a:rPr lang="fr-FR" smtClean="0"/>
-              <a:t>10/12/2019</a:t>
+              <a:t>11/01/2020</a:t>
             </a:fld>
             <a:endParaRPr lang="fr-FR"/>
           </a:p>
@@ -1826,7 +1826,7 @@
           <a:p>
             <a:fld id="{E0657936-EBC8-4278-87E1-10921C4972C2}" type="datetimeFigureOut">
               <a:rPr lang="fr-FR" smtClean="0"/>
-              <a:t>10/12/2019</a:t>
+              <a:t>11/01/2020</a:t>
             </a:fld>
             <a:endParaRPr lang="fr-FR"/>
           </a:p>
@@ -2103,7 +2103,7 @@
           <a:p>
             <a:fld id="{E0657936-EBC8-4278-87E1-10921C4972C2}" type="datetimeFigureOut">
               <a:rPr lang="fr-FR" smtClean="0"/>
-              <a:t>10/12/2019</a:t>
+              <a:t>11/01/2020</a:t>
             </a:fld>
             <a:endParaRPr lang="fr-FR"/>
           </a:p>
@@ -2360,7 +2360,7 @@
           <a:p>
             <a:fld id="{E0657936-EBC8-4278-87E1-10921C4972C2}" type="datetimeFigureOut">
               <a:rPr lang="fr-FR" smtClean="0"/>
-              <a:t>10/12/2019</a:t>
+              <a:t>11/01/2020</a:t>
             </a:fld>
             <a:endParaRPr lang="fr-FR"/>
           </a:p>
@@ -2573,7 +2573,7 @@
           <a:p>
             <a:fld id="{E0657936-EBC8-4278-87E1-10921C4972C2}" type="datetimeFigureOut">
               <a:rPr lang="fr-FR" smtClean="0"/>
-              <a:t>10/12/2019</a:t>
+              <a:t>11/01/2020</a:t>
             </a:fld>
             <a:endParaRPr lang="fr-FR"/>
           </a:p>
@@ -2978,6 +2978,42 @@
           <a:chExt cx="0" cy="0"/>
         </a:xfrm>
       </p:grpSpPr>
+      <p:pic>
+        <p:nvPicPr>
+          <p:cNvPr id="12" name="Image 11" descr="Une image contenant miroir, dessin&#10;&#10;Description générée automatiquement">
+            <a:extLst>
+              <a:ext uri="{FF2B5EF4-FFF2-40B4-BE49-F238E27FC236}">
+                <a16:creationId xmlns:a16="http://schemas.microsoft.com/office/drawing/2014/main" id="{943EA2ED-A0B2-457A-A676-2E403EBCD8A6}"/>
+              </a:ext>
+            </a:extLst>
+          </p:cNvPr>
+          <p:cNvPicPr>
+            <a:picLocks noChangeAspect="1"/>
+          </p:cNvPicPr>
+          <p:nvPr/>
+        </p:nvPicPr>
+        <p:blipFill>
+          <a:blip r:embed="rId2">
+            <a:extLst>
+              <a:ext uri="{28A0092B-C50C-407E-A947-70E740481C1C}">
+                <a14:useLocalDpi xmlns:a14="http://schemas.microsoft.com/office/drawing/2010/main" val="0"/>
+              </a:ext>
+            </a:extLst>
+          </a:blip>
+          <a:stretch>
+            <a:fillRect/>
+          </a:stretch>
+        </p:blipFill>
+        <p:spPr>
+          <a:xfrm>
+            <a:off x="-4279900" y="-762000"/>
+            <a:ext cx="15417800" cy="13614400"/>
+          </a:xfrm>
+          <a:prstGeom prst="rect">
+            <a:avLst/>
+          </a:prstGeom>
+        </p:spPr>
+      </p:pic>
       <p:sp>
         <p:nvSpPr>
           <p:cNvPr id="13" name="Rectangle 12">
@@ -2992,7 +3028,7 @@
         </p:nvSpPr>
         <p:spPr>
           <a:xfrm>
-            <a:off x="295275" y="5107781"/>
+            <a:off x="295275" y="3945731"/>
             <a:ext cx="6267450" cy="685800"/>
           </a:xfrm>
           <a:prstGeom prst="rect">
@@ -3038,7 +3074,7 @@
         </p:nvSpPr>
         <p:spPr>
           <a:xfrm>
-            <a:off x="295275" y="6977062"/>
+            <a:off x="295275" y="5815012"/>
             <a:ext cx="6267450" cy="685800"/>
           </a:xfrm>
           <a:prstGeom prst="rect">
@@ -3084,7 +3120,7 @@
         </p:nvSpPr>
         <p:spPr>
           <a:xfrm>
-            <a:off x="2162175" y="8908793"/>
+            <a:off x="2162175" y="9072163"/>
             <a:ext cx="2533650" cy="685800"/>
           </a:xfrm>
           <a:prstGeom prst="rect">
@@ -3133,7 +3169,7 @@
         </p:nvSpPr>
         <p:spPr>
           <a:xfrm>
-            <a:off x="295275" y="4489966"/>
+            <a:off x="295275" y="3327916"/>
             <a:ext cx="6267450" cy="369332"/>
           </a:xfrm>
           <a:prstGeom prst="rect">
@@ -3168,7 +3204,7 @@
         </p:nvSpPr>
         <p:spPr>
           <a:xfrm>
-            <a:off x="295275" y="6398420"/>
+            <a:off x="295275" y="5236370"/>
             <a:ext cx="6267450" cy="369332"/>
           </a:xfrm>
           <a:prstGeom prst="rect">
@@ -3203,8 +3239,8 @@
         </p:nvSpPr>
         <p:spPr>
           <a:xfrm>
-            <a:off x="4591051" y="7725312"/>
-            <a:ext cx="2266949" cy="307777"/>
+            <a:off x="3672350" y="7447485"/>
+            <a:ext cx="2816942" cy="307777"/>
           </a:xfrm>
           <a:prstGeom prst="rect">
             <a:avLst/>
@@ -3220,47 +3256,117 @@
             <a:pPr algn="ctr"/>
             <a:r>
               <a:rPr lang="fr-FR" sz="1400" u="sng" dirty="0"/>
+              <a:t>Inscription</a:t>
+            </a:r>
+            <a:r>
+              <a:rPr lang="fr-FR" sz="1400" dirty="0"/>
+              <a:t> - </a:t>
+            </a:r>
+            <a:r>
+              <a:rPr lang="fr-FR" sz="1400" u="sng" dirty="0"/>
               <a:t>Mot de passe oublié ?</a:t>
             </a:r>
           </a:p>
         </p:txBody>
       </p:sp>
-      <p:pic>
-        <p:nvPicPr>
-          <p:cNvPr id="8" name="Image 7" descr="Une image contenant miroir, dessin&#10;&#10;Description générée automatiquement">
-            <a:extLst>
-              <a:ext uri="{FF2B5EF4-FFF2-40B4-BE49-F238E27FC236}">
-                <a16:creationId xmlns:a16="http://schemas.microsoft.com/office/drawing/2014/main" id="{5DB459AC-1ADD-4C3A-8101-D2D62614A569}"/>
-              </a:ext>
-            </a:extLst>
-          </p:cNvPr>
-          <p:cNvPicPr>
-            <a:picLocks noChangeAspect="1"/>
-          </p:cNvPicPr>
-          <p:nvPr/>
-        </p:nvPicPr>
-        <p:blipFill>
-          <a:blip r:embed="rId2">
-            <a:extLst>
-              <a:ext uri="{28A0092B-C50C-407E-A947-70E740481C1C}">
-                <a14:useLocalDpi xmlns:a14="http://schemas.microsoft.com/office/drawing/2010/main" val="0"/>
-              </a:ext>
-            </a:extLst>
-          </a:blip>
-          <a:stretch>
-            <a:fillRect/>
-          </a:stretch>
-        </p:blipFill>
-        <p:spPr>
-          <a:xfrm>
-            <a:off x="-4279900" y="-762000"/>
-            <a:ext cx="15417800" cy="13614400"/>
-          </a:xfrm>
-          <a:prstGeom prst="rect">
-            <a:avLst/>
-          </a:prstGeom>
-        </p:spPr>
-      </p:pic>
+      <p:sp>
+        <p:nvSpPr>
+          <p:cNvPr id="9" name="Rectangle 8">
+            <a:extLst>
+              <a:ext uri="{FF2B5EF4-FFF2-40B4-BE49-F238E27FC236}">
+                <a16:creationId xmlns:a16="http://schemas.microsoft.com/office/drawing/2014/main" id="{E39755AF-26F8-4453-A6AB-0C2F5DA37DC8}"/>
+              </a:ext>
+            </a:extLst>
+          </p:cNvPr>
+          <p:cNvSpPr/>
+          <p:nvPr/>
+        </p:nvSpPr>
+        <p:spPr>
+          <a:xfrm>
+            <a:off x="295275" y="7285801"/>
+            <a:ext cx="1194312" cy="685800"/>
+          </a:xfrm>
+          <a:prstGeom prst="rect">
+            <a:avLst/>
+          </a:prstGeom>
+        </p:spPr>
+        <p:style>
+          <a:lnRef idx="2">
+            <a:schemeClr val="accent1">
+              <a:shade val="50000"/>
+            </a:schemeClr>
+          </a:lnRef>
+          <a:fillRef idx="1">
+            <a:schemeClr val="accent1"/>
+          </a:fillRef>
+          <a:effectRef idx="0">
+            <a:schemeClr val="accent1"/>
+          </a:effectRef>
+          <a:fontRef idx="minor">
+            <a:schemeClr val="lt1"/>
+          </a:fontRef>
+        </p:style>
+        <p:txBody>
+          <a:bodyPr rtlCol="0" anchor="ctr"/>
+          <a:lstStyle/>
+          <a:p>
+            <a:pPr algn="ctr"/>
+            <a:r>
+              <a:rPr lang="fr-FR" dirty="0"/>
+              <a:t>GOOGLE</a:t>
+            </a:r>
+          </a:p>
+        </p:txBody>
+      </p:sp>
+      <p:sp>
+        <p:nvSpPr>
+          <p:cNvPr id="10" name="Rectangle 9">
+            <a:extLst>
+              <a:ext uri="{FF2B5EF4-FFF2-40B4-BE49-F238E27FC236}">
+                <a16:creationId xmlns:a16="http://schemas.microsoft.com/office/drawing/2014/main" id="{DFB733FD-DB26-42CD-8AEB-CB4A5D7B9C96}"/>
+              </a:ext>
+            </a:extLst>
+          </p:cNvPr>
+          <p:cNvSpPr/>
+          <p:nvPr/>
+        </p:nvSpPr>
+        <p:spPr>
+          <a:xfrm>
+            <a:off x="1834024" y="7285801"/>
+            <a:ext cx="1351628" cy="685800"/>
+          </a:xfrm>
+          <a:prstGeom prst="rect">
+            <a:avLst/>
+          </a:prstGeom>
+        </p:spPr>
+        <p:style>
+          <a:lnRef idx="2">
+            <a:schemeClr val="accent1">
+              <a:shade val="50000"/>
+            </a:schemeClr>
+          </a:lnRef>
+          <a:fillRef idx="1">
+            <a:schemeClr val="accent1"/>
+          </a:fillRef>
+          <a:effectRef idx="0">
+            <a:schemeClr val="accent1"/>
+          </a:effectRef>
+          <a:fontRef idx="minor">
+            <a:schemeClr val="lt1"/>
+          </a:fontRef>
+        </p:style>
+        <p:txBody>
+          <a:bodyPr rtlCol="0" anchor="ctr"/>
+          <a:lstStyle/>
+          <a:p>
+            <a:pPr algn="ctr"/>
+            <a:r>
+              <a:rPr lang="fr-FR" dirty="0"/>
+              <a:t>FACEBOOK</a:t>
+            </a:r>
+          </a:p>
+        </p:txBody>
+      </p:sp>
     </p:spTree>
     <p:extLst>
       <p:ext uri="{BB962C8B-B14F-4D97-AF65-F5344CB8AC3E}">
@@ -3291,6 +3397,42 @@
           <a:chExt cx="0" cy="0"/>
         </a:xfrm>
       </p:grpSpPr>
+      <p:pic>
+        <p:nvPicPr>
+          <p:cNvPr id="29" name="Image 28" descr="Une image contenant miroir, dessin&#10;&#10;Description générée automatiquement">
+            <a:extLst>
+              <a:ext uri="{FF2B5EF4-FFF2-40B4-BE49-F238E27FC236}">
+                <a16:creationId xmlns:a16="http://schemas.microsoft.com/office/drawing/2014/main" id="{7EEBAB3B-0F3F-4205-A311-73ABDAFE1BCF}"/>
+              </a:ext>
+            </a:extLst>
+          </p:cNvPr>
+          <p:cNvPicPr>
+            <a:picLocks noChangeAspect="1"/>
+          </p:cNvPicPr>
+          <p:nvPr/>
+        </p:nvPicPr>
+        <p:blipFill>
+          <a:blip r:embed="rId2">
+            <a:extLst>
+              <a:ext uri="{28A0092B-C50C-407E-A947-70E740481C1C}">
+                <a14:useLocalDpi xmlns:a14="http://schemas.microsoft.com/office/drawing/2010/main" val="0"/>
+              </a:ext>
+            </a:extLst>
+          </a:blip>
+          <a:stretch>
+            <a:fillRect/>
+          </a:stretch>
+        </p:blipFill>
+        <p:spPr>
+          <a:xfrm>
+            <a:off x="-4279900" y="-762000"/>
+            <a:ext cx="15417800" cy="13614400"/>
+          </a:xfrm>
+          <a:prstGeom prst="rect">
+            <a:avLst/>
+          </a:prstGeom>
+        </p:spPr>
+      </p:pic>
       <p:sp>
         <p:nvSpPr>
           <p:cNvPr id="13" name="Rectangle 12">
@@ -4025,42 +4167,6 @@
           </a:p>
         </p:txBody>
       </p:sp>
-      <p:pic>
-        <p:nvPicPr>
-          <p:cNvPr id="29" name="Image 28" descr="Une image contenant miroir, dessin&#10;&#10;Description générée automatiquement">
-            <a:extLst>
-              <a:ext uri="{FF2B5EF4-FFF2-40B4-BE49-F238E27FC236}">
-                <a16:creationId xmlns:a16="http://schemas.microsoft.com/office/drawing/2014/main" id="{7EEBAB3B-0F3F-4205-A311-73ABDAFE1BCF}"/>
-              </a:ext>
-            </a:extLst>
-          </p:cNvPr>
-          <p:cNvPicPr>
-            <a:picLocks noChangeAspect="1"/>
-          </p:cNvPicPr>
-          <p:nvPr/>
-        </p:nvPicPr>
-        <p:blipFill>
-          <a:blip r:embed="rId2">
-            <a:extLst>
-              <a:ext uri="{28A0092B-C50C-407E-A947-70E740481C1C}">
-                <a14:useLocalDpi xmlns:a14="http://schemas.microsoft.com/office/drawing/2010/main" val="0"/>
-              </a:ext>
-            </a:extLst>
-          </a:blip>
-          <a:stretch>
-            <a:fillRect/>
-          </a:stretch>
-        </p:blipFill>
-        <p:spPr>
-          <a:xfrm>
-            <a:off x="-4279900" y="-762000"/>
-            <a:ext cx="15417800" cy="13614400"/>
-          </a:xfrm>
-          <a:prstGeom prst="rect">
-            <a:avLst/>
-          </a:prstGeom>
-        </p:spPr>
-      </p:pic>
     </p:spTree>
     <p:extLst>
       <p:ext uri="{BB962C8B-B14F-4D97-AF65-F5344CB8AC3E}">
